--- a/Complimentary Course Content/Module5/Lessons/Module5_Lesson3 Spark ML Overview and Spark on Azure.pptx
+++ b/Complimentary Course Content/Module5/Lessons/Module5_Lesson3 Spark ML Overview and Spark on Azure.pptx
@@ -127,7 +127,7 @@
   </p:defaultTextStyle>
   <p:extLst>
     <p:ext uri="{EFAFB233-063F-42B5-8137-9DF3F51BA10A}">
-      <p15:sldGuideLst xmlns="" xmlns:p15="http://schemas.microsoft.com/office/powerpoint/2012/main">
+      <p15:sldGuideLst xmlns:p15="http://schemas.microsoft.com/office/powerpoint/2012/main" xmlns="">
         <p15:guide id="1" orient="horz" pos="2160">
           <p15:clr>
             <a:srgbClr val="A4A3A4"/>
@@ -233,7 +233,7 @@
             <a:fld id="{49B60EF2-7028-489F-85D8-FE86CD7CF2A0}" type="datetimeFigureOut">
               <a:rPr lang="en-US" smtClean="0"/>
               <a:pPr/>
-              <a:t>6/29/16</a:t>
+              <a:t>7/7/16</a:t>
             </a:fld>
             <a:endParaRPr lang="en-US"/>
           </a:p>
@@ -3734,7 +3734,7 @@
             <a:fld id="{0459C166-16D3-4A25-A2F8-C51E0E346B22}" type="datetimeFigureOut">
               <a:rPr lang="en-US" smtClean="0"/>
               <a:pPr/>
-              <a:t>6/29/16</a:t>
+              <a:t>7/7/16</a:t>
             </a:fld>
             <a:endParaRPr lang="en-US"/>
           </a:p>
@@ -4100,7 +4100,7 @@
             <a:fld id="{0459C166-16D3-4A25-A2F8-C51E0E346B22}" type="datetimeFigureOut">
               <a:rPr lang="en-US" smtClean="0"/>
               <a:pPr/>
-              <a:t>6/29/16</a:t>
+              <a:t>7/7/16</a:t>
             </a:fld>
             <a:endParaRPr lang="en-US"/>
           </a:p>
@@ -4219,7 +4219,7 @@
             <a:fld id="{0459C166-16D3-4A25-A2F8-C51E0E346B22}" type="datetimeFigureOut">
               <a:rPr lang="en-US" smtClean="0"/>
               <a:pPr/>
-              <a:t>6/29/16</a:t>
+              <a:t>7/7/16</a:t>
             </a:fld>
             <a:endParaRPr lang="en-US"/>
           </a:p>
@@ -4316,7 +4316,7 @@
             <a:fld id="{0459C166-16D3-4A25-A2F8-C51E0E346B22}" type="datetimeFigureOut">
               <a:rPr lang="en-US" smtClean="0"/>
               <a:pPr/>
-              <a:t>6/29/16</a:t>
+              <a:t>7/7/16</a:t>
             </a:fld>
             <a:endParaRPr lang="en-US"/>
           </a:p>
@@ -4593,7 +4593,7 @@
             <a:fld id="{0459C166-16D3-4A25-A2F8-C51E0E346B22}" type="datetimeFigureOut">
               <a:rPr lang="en-US" smtClean="0"/>
               <a:pPr/>
-              <a:t>6/29/16</a:t>
+              <a:t>7/7/16</a:t>
             </a:fld>
             <a:endParaRPr lang="en-US"/>
           </a:p>
@@ -4847,7 +4847,7 @@
             <a:fld id="{0459C166-16D3-4A25-A2F8-C51E0E346B22}" type="datetimeFigureOut">
               <a:rPr lang="en-US" smtClean="0"/>
               <a:pPr/>
-              <a:t>6/29/16</a:t>
+              <a:t>7/7/16</a:t>
             </a:fld>
             <a:endParaRPr lang="en-US"/>
           </a:p>
@@ -5017,7 +5017,7 @@
             <a:fld id="{0459C166-16D3-4A25-A2F8-C51E0E346B22}" type="datetimeFigureOut">
               <a:rPr lang="en-US" smtClean="0"/>
               <a:pPr/>
-              <a:t>6/29/16</a:t>
+              <a:t>7/7/16</a:t>
             </a:fld>
             <a:endParaRPr lang="en-US"/>
           </a:p>
@@ -5197,7 +5197,7 @@
             <a:fld id="{0459C166-16D3-4A25-A2F8-C51E0E346B22}" type="datetimeFigureOut">
               <a:rPr lang="en-US" smtClean="0"/>
               <a:pPr/>
-              <a:t>6/29/16</a:t>
+              <a:t>7/7/16</a:t>
             </a:fld>
             <a:endParaRPr lang="en-US"/>
           </a:p>
@@ -5367,7 +5367,7 @@
             <a:fld id="{0459C166-16D3-4A25-A2F8-C51E0E346B22}" type="datetimeFigureOut">
               <a:rPr lang="en-US" smtClean="0"/>
               <a:pPr/>
-              <a:t>6/29/16</a:t>
+              <a:t>7/7/16</a:t>
             </a:fld>
             <a:endParaRPr lang="en-US"/>
           </a:p>
@@ -5632,7 +5632,7 @@
             <a:fld id="{0459C166-16D3-4A25-A2F8-C51E0E346B22}" type="datetimeFigureOut">
               <a:rPr lang="en-US" smtClean="0"/>
               <a:pPr/>
-              <a:t>6/29/16</a:t>
+              <a:t>7/7/16</a:t>
             </a:fld>
             <a:endParaRPr lang="en-US"/>
           </a:p>
@@ -5949,7 +5949,7 @@
             <a:fld id="{0459C166-16D3-4A25-A2F8-C51E0E346B22}" type="datetimeFigureOut">
               <a:rPr lang="en-US" smtClean="0"/>
               <a:pPr/>
-              <a:t>6/29/16</a:t>
+              <a:t>7/7/16</a:t>
             </a:fld>
             <a:endParaRPr lang="en-US"/>
           </a:p>
@@ -6228,7 +6228,7 @@
             <a:fld id="{0459C166-16D3-4A25-A2F8-C51E0E346B22}" type="datetimeFigureOut">
               <a:rPr lang="en-US" smtClean="0"/>
               <a:pPr/>
-              <a:t>6/29/16</a:t>
+              <a:t>7/7/16</a:t>
             </a:fld>
             <a:endParaRPr lang="en-US"/>
           </a:p>
@@ -7217,7 +7217,7 @@
             <a:fld id="{0459C166-16D3-4A25-A2F8-C51E0E346B22}" type="datetimeFigureOut">
               <a:rPr lang="en-US" smtClean="0"/>
               <a:pPr/>
-              <a:t>6/29/16</a:t>
+              <a:t>7/7/16</a:t>
             </a:fld>
             <a:endParaRPr lang="en-US"/>
           </a:p>
@@ -7430,7 +7430,7 @@
             <a:fld id="{0459C166-16D3-4A25-A2F8-C51E0E346B22}" type="datetimeFigureOut">
               <a:rPr lang="en-US" smtClean="0"/>
               <a:pPr/>
-              <a:t>6/29/16</a:t>
+              <a:t>7/7/16</a:t>
             </a:fld>
             <a:endParaRPr lang="en-US"/>
           </a:p>
@@ -13423,14 +13423,14 @@
                 <a:gridCol w="3833588">
                   <a:extLst>
                     <a:ext uri="{9D8B030D-6E8A-4147-A177-3AD203B41FA5}">
-                      <a16:colId xmlns="" xmlns:a16="http://schemas.microsoft.com/office/drawing/2014/main" val="48614039"/>
+                      <a16:colId xmlns:a16="http://schemas.microsoft.com/office/drawing/2014/main" xmlns="" val="48614039"/>
                     </a:ext>
                   </a:extLst>
                 </a:gridCol>
                 <a:gridCol w="7373697">
                   <a:extLst>
                     <a:ext uri="{9D8B030D-6E8A-4147-A177-3AD203B41FA5}">
-                      <a16:colId xmlns="" xmlns:a16="http://schemas.microsoft.com/office/drawing/2014/main" val="1124546490"/>
+                      <a16:colId xmlns:a16="http://schemas.microsoft.com/office/drawing/2014/main" xmlns="" val="1124546490"/>
                     </a:ext>
                   </a:extLst>
                 </a:gridCol>
@@ -13482,7 +13482,7 @@
                 </a:tc>
                 <a:extLst>
                   <a:ext uri="{0D108BD9-81ED-4DB2-BD59-A6C34878D82A}">
-                    <a16:rowId xmlns="" xmlns:a16="http://schemas.microsoft.com/office/drawing/2014/main" val="679667022"/>
+                    <a16:rowId xmlns:a16="http://schemas.microsoft.com/office/drawing/2014/main" xmlns="" val="679667022"/>
                   </a:ext>
                 </a:extLst>
               </a:tr>
@@ -13561,7 +13561,7 @@
                 </a:tc>
                 <a:extLst>
                   <a:ext uri="{0D108BD9-81ED-4DB2-BD59-A6C34878D82A}">
-                    <a16:rowId xmlns="" xmlns:a16="http://schemas.microsoft.com/office/drawing/2014/main" val="2034482246"/>
+                    <a16:rowId xmlns:a16="http://schemas.microsoft.com/office/drawing/2014/main" xmlns="" val="2034482246"/>
                   </a:ext>
                 </a:extLst>
               </a:tr>
@@ -13639,7 +13639,7 @@
                 </a:tc>
                 <a:extLst>
                   <a:ext uri="{0D108BD9-81ED-4DB2-BD59-A6C34878D82A}">
-                    <a16:rowId xmlns="" xmlns:a16="http://schemas.microsoft.com/office/drawing/2014/main" val="682465758"/>
+                    <a16:rowId xmlns:a16="http://schemas.microsoft.com/office/drawing/2014/main" xmlns="" val="682465758"/>
                   </a:ext>
                 </a:extLst>
               </a:tr>
@@ -13703,7 +13703,7 @@
                 </a:tc>
                 <a:extLst>
                   <a:ext uri="{0D108BD9-81ED-4DB2-BD59-A6C34878D82A}">
-                    <a16:rowId xmlns="" xmlns:a16="http://schemas.microsoft.com/office/drawing/2014/main" val="4230228483"/>
+                    <a16:rowId xmlns:a16="http://schemas.microsoft.com/office/drawing/2014/main" xmlns="" val="4230228483"/>
                   </a:ext>
                 </a:extLst>
               </a:tr>
@@ -13760,7 +13760,7 @@
                 </a:tc>
                 <a:extLst>
                   <a:ext uri="{0D108BD9-81ED-4DB2-BD59-A6C34878D82A}">
-                    <a16:rowId xmlns="" xmlns:a16="http://schemas.microsoft.com/office/drawing/2014/main" val="3329658239"/>
+                    <a16:rowId xmlns:a16="http://schemas.microsoft.com/office/drawing/2014/main" xmlns="" val="3329658239"/>
                   </a:ext>
                 </a:extLst>
               </a:tr>
@@ -13823,7 +13823,7 @@
                 </a:tc>
                 <a:extLst>
                   <a:ext uri="{0D108BD9-81ED-4DB2-BD59-A6C34878D82A}">
-                    <a16:rowId xmlns="" xmlns:a16="http://schemas.microsoft.com/office/drawing/2014/main" val="10005"/>
+                    <a16:rowId xmlns:a16="http://schemas.microsoft.com/office/drawing/2014/main" xmlns="" val="10005"/>
                   </a:ext>
                 </a:extLst>
               </a:tr>
@@ -15300,7 +15300,7 @@
   <a:extraClrSchemeLst/>
   <a:extLst>
     <a:ext uri="{05A4C25C-085E-4340-85A3-A5531E510DB2}">
-      <thm15:themeFamily xmlns="" xmlns:thm15="http://schemas.microsoft.com/office/thememl/2012/main" name="Office Theme" id="{62F939B6-93AF-4DB8-9C6B-D6C7DFDC589F}" vid="{4A3C46E8-61CC-4603-A589-7422A47A8E4A}"/>
+      <thm15:themeFamily xmlns:thm15="http://schemas.microsoft.com/office/thememl/2012/main" xmlns="" name="Office Theme" id="{62F939B6-93AF-4DB8-9C6B-D6C7DFDC589F}" vid="{4A3C46E8-61CC-4603-A589-7422A47A8E4A}"/>
     </a:ext>
   </a:extLst>
 </a:theme>
@@ -15595,7 +15595,7 @@
   <a:extraClrSchemeLst/>
   <a:extLst>
     <a:ext uri="{05A4C25C-085E-4340-85A3-A5531E510DB2}">
-      <thm15:themeFamily xmlns="" xmlns:thm15="http://schemas.microsoft.com/office/thememl/2012/main" name="Office Theme" id="{62F939B6-93AF-4DB8-9C6B-D6C7DFDC589F}" vid="{4A3C46E8-61CC-4603-A589-7422A47A8E4A}"/>
+      <thm15:themeFamily xmlns:thm15="http://schemas.microsoft.com/office/thememl/2012/main" xmlns="" name="Office Theme" id="{62F939B6-93AF-4DB8-9C6B-D6C7DFDC589F}" vid="{4A3C46E8-61CC-4603-A589-7422A47A8E4A}"/>
     </a:ext>
   </a:extLst>
 </a:theme>

--- a/Complimentary Course Content/Module5/Lessons/Module5_Lesson3 Spark ML Overview and Spark on Azure.pptx
+++ b/Complimentary Course Content/Module5/Lessons/Module5_Lesson3 Spark ML Overview and Spark on Azure.pptx
@@ -127,7 +127,7 @@
   </p:defaultTextStyle>
   <p:extLst>
     <p:ext uri="{EFAFB233-063F-42B5-8137-9DF3F51BA10A}">
-      <p15:sldGuideLst xmlns:p15="http://schemas.microsoft.com/office/powerpoint/2012/main" xmlns="">
+      <p15:sldGuideLst xmlns="" xmlns:p15="http://schemas.microsoft.com/office/powerpoint/2012/main">
         <p15:guide id="1" orient="horz" pos="2160">
           <p15:clr>
             <a:srgbClr val="A4A3A4"/>
@@ -233,7 +233,7 @@
             <a:fld id="{49B60EF2-7028-489F-85D8-FE86CD7CF2A0}" type="datetimeFigureOut">
               <a:rPr lang="en-US" smtClean="0"/>
               <a:pPr/>
-              <a:t>7/7/16</a:t>
+              <a:t>7/13/16</a:t>
             </a:fld>
             <a:endParaRPr lang="en-US"/>
           </a:p>
@@ -2074,7 +2074,7 @@
             </a:r>
             <a:r>
               <a:rPr lang="en-US" altLang="ko-KR" dirty="0" smtClean="0"/>
-              <a:t>/tree/master/Instructor-Led/Module5/Labs</a:t>
+              <a:t>/tree/master/Complimentary%20Course%20Content/Module5/Labs</a:t>
             </a:r>
             <a:endParaRPr lang="ko-KR" altLang="en-US" dirty="0"/>
           </a:p>
@@ -3734,7 +3734,7 @@
             <a:fld id="{0459C166-16D3-4A25-A2F8-C51E0E346B22}" type="datetimeFigureOut">
               <a:rPr lang="en-US" smtClean="0"/>
               <a:pPr/>
-              <a:t>7/7/16</a:t>
+              <a:t>7/13/16</a:t>
             </a:fld>
             <a:endParaRPr lang="en-US"/>
           </a:p>
@@ -4100,7 +4100,7 @@
             <a:fld id="{0459C166-16D3-4A25-A2F8-C51E0E346B22}" type="datetimeFigureOut">
               <a:rPr lang="en-US" smtClean="0"/>
               <a:pPr/>
-              <a:t>7/7/16</a:t>
+              <a:t>7/13/16</a:t>
             </a:fld>
             <a:endParaRPr lang="en-US"/>
           </a:p>
@@ -4219,7 +4219,7 @@
             <a:fld id="{0459C166-16D3-4A25-A2F8-C51E0E346B22}" type="datetimeFigureOut">
               <a:rPr lang="en-US" smtClean="0"/>
               <a:pPr/>
-              <a:t>7/7/16</a:t>
+              <a:t>7/13/16</a:t>
             </a:fld>
             <a:endParaRPr lang="en-US"/>
           </a:p>
@@ -4316,7 +4316,7 @@
             <a:fld id="{0459C166-16D3-4A25-A2F8-C51E0E346B22}" type="datetimeFigureOut">
               <a:rPr lang="en-US" smtClean="0"/>
               <a:pPr/>
-              <a:t>7/7/16</a:t>
+              <a:t>7/13/16</a:t>
             </a:fld>
             <a:endParaRPr lang="en-US"/>
           </a:p>
@@ -4593,7 +4593,7 @@
             <a:fld id="{0459C166-16D3-4A25-A2F8-C51E0E346B22}" type="datetimeFigureOut">
               <a:rPr lang="en-US" smtClean="0"/>
               <a:pPr/>
-              <a:t>7/7/16</a:t>
+              <a:t>7/13/16</a:t>
             </a:fld>
             <a:endParaRPr lang="en-US"/>
           </a:p>
@@ -4847,7 +4847,7 @@
             <a:fld id="{0459C166-16D3-4A25-A2F8-C51E0E346B22}" type="datetimeFigureOut">
               <a:rPr lang="en-US" smtClean="0"/>
               <a:pPr/>
-              <a:t>7/7/16</a:t>
+              <a:t>7/13/16</a:t>
             </a:fld>
             <a:endParaRPr lang="en-US"/>
           </a:p>
@@ -5017,7 +5017,7 @@
             <a:fld id="{0459C166-16D3-4A25-A2F8-C51E0E346B22}" type="datetimeFigureOut">
               <a:rPr lang="en-US" smtClean="0"/>
               <a:pPr/>
-              <a:t>7/7/16</a:t>
+              <a:t>7/13/16</a:t>
             </a:fld>
             <a:endParaRPr lang="en-US"/>
           </a:p>
@@ -5197,7 +5197,7 @@
             <a:fld id="{0459C166-16D3-4A25-A2F8-C51E0E346B22}" type="datetimeFigureOut">
               <a:rPr lang="en-US" smtClean="0"/>
               <a:pPr/>
-              <a:t>7/7/16</a:t>
+              <a:t>7/13/16</a:t>
             </a:fld>
             <a:endParaRPr lang="en-US"/>
           </a:p>
@@ -5367,7 +5367,7 @@
             <a:fld id="{0459C166-16D3-4A25-A2F8-C51E0E346B22}" type="datetimeFigureOut">
               <a:rPr lang="en-US" smtClean="0"/>
               <a:pPr/>
-              <a:t>7/7/16</a:t>
+              <a:t>7/13/16</a:t>
             </a:fld>
             <a:endParaRPr lang="en-US"/>
           </a:p>
@@ -5632,7 +5632,7 @@
             <a:fld id="{0459C166-16D3-4A25-A2F8-C51E0E346B22}" type="datetimeFigureOut">
               <a:rPr lang="en-US" smtClean="0"/>
               <a:pPr/>
-              <a:t>7/7/16</a:t>
+              <a:t>7/13/16</a:t>
             </a:fld>
             <a:endParaRPr lang="en-US"/>
           </a:p>
@@ -5949,7 +5949,7 @@
             <a:fld id="{0459C166-16D3-4A25-A2F8-C51E0E346B22}" type="datetimeFigureOut">
               <a:rPr lang="en-US" smtClean="0"/>
               <a:pPr/>
-              <a:t>7/7/16</a:t>
+              <a:t>7/13/16</a:t>
             </a:fld>
             <a:endParaRPr lang="en-US"/>
           </a:p>
@@ -6228,7 +6228,7 @@
             <a:fld id="{0459C166-16D3-4A25-A2F8-C51E0E346B22}" type="datetimeFigureOut">
               <a:rPr lang="en-US" smtClean="0"/>
               <a:pPr/>
-              <a:t>7/7/16</a:t>
+              <a:t>7/13/16</a:t>
             </a:fld>
             <a:endParaRPr lang="en-US"/>
           </a:p>
@@ -7217,7 +7217,7 @@
             <a:fld id="{0459C166-16D3-4A25-A2F8-C51E0E346B22}" type="datetimeFigureOut">
               <a:rPr lang="en-US" smtClean="0"/>
               <a:pPr/>
-              <a:t>7/7/16</a:t>
+              <a:t>7/13/16</a:t>
             </a:fld>
             <a:endParaRPr lang="en-US"/>
           </a:p>
@@ -7430,7 +7430,7 @@
             <a:fld id="{0459C166-16D3-4A25-A2F8-C51E0E346B22}" type="datetimeFigureOut">
               <a:rPr lang="en-US" smtClean="0"/>
               <a:pPr/>
-              <a:t>7/7/16</a:t>
+              <a:t>7/13/16</a:t>
             </a:fld>
             <a:endParaRPr lang="en-US"/>
           </a:p>
@@ -13423,14 +13423,14 @@
                 <a:gridCol w="3833588">
                   <a:extLst>
                     <a:ext uri="{9D8B030D-6E8A-4147-A177-3AD203B41FA5}">
-                      <a16:colId xmlns:a16="http://schemas.microsoft.com/office/drawing/2014/main" xmlns="" val="48614039"/>
+                      <a16:colId xmlns="" xmlns:a16="http://schemas.microsoft.com/office/drawing/2014/main" val="48614039"/>
                     </a:ext>
                   </a:extLst>
                 </a:gridCol>
                 <a:gridCol w="7373697">
                   <a:extLst>
                     <a:ext uri="{9D8B030D-6E8A-4147-A177-3AD203B41FA5}">
-                      <a16:colId xmlns:a16="http://schemas.microsoft.com/office/drawing/2014/main" xmlns="" val="1124546490"/>
+                      <a16:colId xmlns="" xmlns:a16="http://schemas.microsoft.com/office/drawing/2014/main" val="1124546490"/>
                     </a:ext>
                   </a:extLst>
                 </a:gridCol>
@@ -13482,7 +13482,7 @@
                 </a:tc>
                 <a:extLst>
                   <a:ext uri="{0D108BD9-81ED-4DB2-BD59-A6C34878D82A}">
-                    <a16:rowId xmlns:a16="http://schemas.microsoft.com/office/drawing/2014/main" xmlns="" val="679667022"/>
+                    <a16:rowId xmlns="" xmlns:a16="http://schemas.microsoft.com/office/drawing/2014/main" val="679667022"/>
                   </a:ext>
                 </a:extLst>
               </a:tr>
@@ -13561,7 +13561,7 @@
                 </a:tc>
                 <a:extLst>
                   <a:ext uri="{0D108BD9-81ED-4DB2-BD59-A6C34878D82A}">
-                    <a16:rowId xmlns:a16="http://schemas.microsoft.com/office/drawing/2014/main" xmlns="" val="2034482246"/>
+                    <a16:rowId xmlns="" xmlns:a16="http://schemas.microsoft.com/office/drawing/2014/main" val="2034482246"/>
                   </a:ext>
                 </a:extLst>
               </a:tr>
@@ -13639,7 +13639,7 @@
                 </a:tc>
                 <a:extLst>
                   <a:ext uri="{0D108BD9-81ED-4DB2-BD59-A6C34878D82A}">
-                    <a16:rowId xmlns:a16="http://schemas.microsoft.com/office/drawing/2014/main" xmlns="" val="682465758"/>
+                    <a16:rowId xmlns="" xmlns:a16="http://schemas.microsoft.com/office/drawing/2014/main" val="682465758"/>
                   </a:ext>
                 </a:extLst>
               </a:tr>
@@ -13703,7 +13703,7 @@
                 </a:tc>
                 <a:extLst>
                   <a:ext uri="{0D108BD9-81ED-4DB2-BD59-A6C34878D82A}">
-                    <a16:rowId xmlns:a16="http://schemas.microsoft.com/office/drawing/2014/main" xmlns="" val="4230228483"/>
+                    <a16:rowId xmlns="" xmlns:a16="http://schemas.microsoft.com/office/drawing/2014/main" val="4230228483"/>
                   </a:ext>
                 </a:extLst>
               </a:tr>
@@ -13760,7 +13760,7 @@
                 </a:tc>
                 <a:extLst>
                   <a:ext uri="{0D108BD9-81ED-4DB2-BD59-A6C34878D82A}">
-                    <a16:rowId xmlns:a16="http://schemas.microsoft.com/office/drawing/2014/main" xmlns="" val="3329658239"/>
+                    <a16:rowId xmlns="" xmlns:a16="http://schemas.microsoft.com/office/drawing/2014/main" val="3329658239"/>
                   </a:ext>
                 </a:extLst>
               </a:tr>
@@ -13823,7 +13823,7 @@
                 </a:tc>
                 <a:extLst>
                   <a:ext uri="{0D108BD9-81ED-4DB2-BD59-A6C34878D82A}">
-                    <a16:rowId xmlns:a16="http://schemas.microsoft.com/office/drawing/2014/main" xmlns="" val="10005"/>
+                    <a16:rowId xmlns="" xmlns:a16="http://schemas.microsoft.com/office/drawing/2014/main" val="10005"/>
                   </a:ext>
                 </a:extLst>
               </a:tr>
@@ -15300,7 +15300,7 @@
   <a:extraClrSchemeLst/>
   <a:extLst>
     <a:ext uri="{05A4C25C-085E-4340-85A3-A5531E510DB2}">
-      <thm15:themeFamily xmlns:thm15="http://schemas.microsoft.com/office/thememl/2012/main" xmlns="" name="Office Theme" id="{62F939B6-93AF-4DB8-9C6B-D6C7DFDC589F}" vid="{4A3C46E8-61CC-4603-A589-7422A47A8E4A}"/>
+      <thm15:themeFamily xmlns="" xmlns:thm15="http://schemas.microsoft.com/office/thememl/2012/main" name="Office Theme" id="{62F939B6-93AF-4DB8-9C6B-D6C7DFDC589F}" vid="{4A3C46E8-61CC-4603-A589-7422A47A8E4A}"/>
     </a:ext>
   </a:extLst>
 </a:theme>
@@ -15595,7 +15595,7 @@
   <a:extraClrSchemeLst/>
   <a:extLst>
     <a:ext uri="{05A4C25C-085E-4340-85A3-A5531E510DB2}">
-      <thm15:themeFamily xmlns:thm15="http://schemas.microsoft.com/office/thememl/2012/main" xmlns="" name="Office Theme" id="{62F939B6-93AF-4DB8-9C6B-D6C7DFDC589F}" vid="{4A3C46E8-61CC-4603-A589-7422A47A8E4A}"/>
+      <thm15:themeFamily xmlns="" xmlns:thm15="http://schemas.microsoft.com/office/thememl/2012/main" name="Office Theme" id="{62F939B6-93AF-4DB8-9C6B-D6C7DFDC589F}" vid="{4A3C46E8-61CC-4603-A589-7422A47A8E4A}"/>
     </a:ext>
   </a:extLst>
 </a:theme>
